--- a/wwr/images/ETL Presentation.pptx
+++ b/wwr/images/ETL Presentation.pptx
@@ -211,7 +211,7 @@
           <a:p>
             <a:fld id="{3ABEE748-4B46-46E8-9549-3FABF339CC3C}" type="datetimeFigureOut">
               <a:rPr lang="en-US" smtClean="0"/>
-              <a:t>1/22/2022</a:t>
+              <a:t>1/30/2022</a:t>
             </a:fld>
             <a:endParaRPr lang="en-US"/>
           </a:p>
@@ -2475,7 +2475,7 @@
           <a:p>
             <a:fld id="{99084E03-1AE3-4484-836C-FC3216167BD8}" type="datetimeFigureOut">
               <a:rPr lang="en-US" smtClean="0"/>
-              <a:t>1/22/2022</a:t>
+              <a:t>1/30/2022</a:t>
             </a:fld>
             <a:endParaRPr lang="en-US"/>
           </a:p>
@@ -2673,7 +2673,7 @@
           <a:p>
             <a:fld id="{99084E03-1AE3-4484-836C-FC3216167BD8}" type="datetimeFigureOut">
               <a:rPr lang="en-US" smtClean="0"/>
-              <a:t>1/22/2022</a:t>
+              <a:t>1/30/2022</a:t>
             </a:fld>
             <a:endParaRPr lang="en-US"/>
           </a:p>
@@ -2881,7 +2881,7 @@
           <a:p>
             <a:fld id="{99084E03-1AE3-4484-836C-FC3216167BD8}" type="datetimeFigureOut">
               <a:rPr lang="en-US" smtClean="0"/>
-              <a:t>1/22/2022</a:t>
+              <a:t>1/30/2022</a:t>
             </a:fld>
             <a:endParaRPr lang="en-US"/>
           </a:p>
@@ -3248,7 +3248,7 @@
           <a:p>
             <a:fld id="{99084E03-1AE3-4484-836C-FC3216167BD8}" type="datetimeFigureOut">
               <a:rPr lang="en-US" smtClean="0"/>
-              <a:t>1/22/2022</a:t>
+              <a:t>1/30/2022</a:t>
             </a:fld>
             <a:endParaRPr lang="en-US"/>
           </a:p>
@@ -3523,7 +3523,7 @@
           <a:p>
             <a:fld id="{99084E03-1AE3-4484-836C-FC3216167BD8}" type="datetimeFigureOut">
               <a:rPr lang="en-US" smtClean="0"/>
-              <a:t>1/22/2022</a:t>
+              <a:t>1/30/2022</a:t>
             </a:fld>
             <a:endParaRPr lang="en-US"/>
           </a:p>
@@ -3788,7 +3788,7 @@
           <a:p>
             <a:fld id="{99084E03-1AE3-4484-836C-FC3216167BD8}" type="datetimeFigureOut">
               <a:rPr lang="en-US" smtClean="0"/>
-              <a:t>1/22/2022</a:t>
+              <a:t>1/30/2022</a:t>
             </a:fld>
             <a:endParaRPr lang="en-US"/>
           </a:p>
@@ -4200,7 +4200,7 @@
           <a:p>
             <a:fld id="{99084E03-1AE3-4484-836C-FC3216167BD8}" type="datetimeFigureOut">
               <a:rPr lang="en-US" smtClean="0"/>
-              <a:t>1/22/2022</a:t>
+              <a:t>1/30/2022</a:t>
             </a:fld>
             <a:endParaRPr lang="en-US"/>
           </a:p>
@@ -4341,7 +4341,7 @@
           <a:p>
             <a:fld id="{99084E03-1AE3-4484-836C-FC3216167BD8}" type="datetimeFigureOut">
               <a:rPr lang="en-US" smtClean="0"/>
-              <a:t>1/22/2022</a:t>
+              <a:t>1/30/2022</a:t>
             </a:fld>
             <a:endParaRPr lang="en-US"/>
           </a:p>
@@ -4454,7 +4454,7 @@
           <a:p>
             <a:fld id="{99084E03-1AE3-4484-836C-FC3216167BD8}" type="datetimeFigureOut">
               <a:rPr lang="en-US" smtClean="0"/>
-              <a:t>1/22/2022</a:t>
+              <a:t>1/30/2022</a:t>
             </a:fld>
             <a:endParaRPr lang="en-US"/>
           </a:p>
@@ -4765,7 +4765,7 @@
           <a:p>
             <a:fld id="{99084E03-1AE3-4484-836C-FC3216167BD8}" type="datetimeFigureOut">
               <a:rPr lang="en-US" smtClean="0"/>
-              <a:t>1/22/2022</a:t>
+              <a:t>1/30/2022</a:t>
             </a:fld>
             <a:endParaRPr lang="en-US"/>
           </a:p>
@@ -5053,7 +5053,7 @@
           <a:p>
             <a:fld id="{99084E03-1AE3-4484-836C-FC3216167BD8}" type="datetimeFigureOut">
               <a:rPr lang="en-US" smtClean="0"/>
-              <a:t>1/22/2022</a:t>
+              <a:t>1/30/2022</a:t>
             </a:fld>
             <a:endParaRPr lang="en-US"/>
           </a:p>
@@ -5294,7 +5294,7 @@
           <a:p>
             <a:fld id="{99084E03-1AE3-4484-836C-FC3216167BD8}" type="datetimeFigureOut">
               <a:rPr lang="en-US" smtClean="0"/>
-              <a:t>1/22/2022</a:t>
+              <a:t>1/30/2022</a:t>
             </a:fld>
             <a:endParaRPr lang="en-US"/>
           </a:p>
@@ -5728,8 +5728,8 @@
         </p:nvSpPr>
         <p:spPr bwMode="auto">
           <a:xfrm>
-            <a:off x="311791" y="2670517"/>
-            <a:ext cx="11508297" cy="1200329"/>
+            <a:off x="311791" y="2116520"/>
+            <a:ext cx="11508297" cy="2308324"/>
           </a:xfrm>
           <a:prstGeom prst="rect">
             <a:avLst/>
@@ -5772,7 +5772,7 @@
                 </a:solidFill>
                 <a:latin typeface="Montserrat" panose="02000505000000020004" pitchFamily="2" charset="77"/>
               </a:rPr>
-              <a:t>ETL</a:t>
+              <a:t>Data Warehouse Granularity</a:t>
             </a:r>
             <a:endParaRPr lang="en-UA" altLang="en-UA" sz="7200" dirty="0">
               <a:solidFill>
@@ -6340,49 +6340,6 @@
       </p:graphicFrame>
       <p:sp>
         <p:nvSpPr>
-          <p:cNvPr id="10" name="TextBox 9">
-            <a:extLst>
-              <a:ext uri="{FF2B5EF4-FFF2-40B4-BE49-F238E27FC236}">
-                <a16:creationId xmlns:a16="http://schemas.microsoft.com/office/drawing/2014/main" id="{55F8007A-863D-4A81-B30B-5F773E3A7F6A}"/>
-              </a:ext>
-            </a:extLst>
-          </p:cNvPr>
-          <p:cNvSpPr txBox="1"/>
-          <p:nvPr/>
-        </p:nvSpPr>
-        <p:spPr>
-          <a:xfrm>
-            <a:off x="403399" y="2906160"/>
-            <a:ext cx="6618718" cy="369332"/>
-          </a:xfrm>
-          <a:prstGeom prst="rect">
-            <a:avLst/>
-          </a:prstGeom>
-          <a:noFill/>
-        </p:spPr>
-        <p:txBody>
-          <a:bodyPr wrap="square">
-            <a:spAutoFit/>
-          </a:bodyPr>
-          <a:lstStyle/>
-          <a:p>
-            <a:r>
-              <a:rPr lang="en-US" dirty="0"/>
-              <a:t>1. Works best with </a:t>
-            </a:r>
-            <a:r>
-              <a:rPr lang="en-US" dirty="0" err="1"/>
-              <a:t>Inmon</a:t>
-            </a:r>
-            <a:r>
-              <a:rPr lang="en-US" dirty="0"/>
-              <a:t> style of data warehouse.</a:t>
-            </a:r>
-          </a:p>
-        </p:txBody>
-      </p:sp>
-      <p:sp>
-        <p:nvSpPr>
           <p:cNvPr id="12" name="TextBox 11">
             <a:extLst>
               <a:ext uri="{FF2B5EF4-FFF2-40B4-BE49-F238E27FC236}">
@@ -6418,76 +6375,6 @@
       </p:sp>
       <p:sp>
         <p:nvSpPr>
-          <p:cNvPr id="16" name="TextBox 15">
-            <a:extLst>
-              <a:ext uri="{FF2B5EF4-FFF2-40B4-BE49-F238E27FC236}">
-                <a16:creationId xmlns:a16="http://schemas.microsoft.com/office/drawing/2014/main" id="{EFEAA9B0-C726-4011-8B9B-E07DCC19A035}"/>
-              </a:ext>
-            </a:extLst>
-          </p:cNvPr>
-          <p:cNvSpPr txBox="1"/>
-          <p:nvPr/>
-        </p:nvSpPr>
-        <p:spPr>
-          <a:xfrm>
-            <a:off x="6384031" y="2906160"/>
-            <a:ext cx="5629004" cy="369332"/>
-          </a:xfrm>
-          <a:prstGeom prst="rect">
-            <a:avLst/>
-          </a:prstGeom>
-          <a:noFill/>
-        </p:spPr>
-        <p:txBody>
-          <a:bodyPr wrap="square">
-            <a:spAutoFit/>
-          </a:bodyPr>
-          <a:lstStyle/>
-          <a:p>
-            <a:r>
-              <a:rPr lang="en-US" dirty="0"/>
-              <a:t>1. Works best with Kimball style of database warehouse.</a:t>
-            </a:r>
-          </a:p>
-        </p:txBody>
-      </p:sp>
-      <p:sp>
-        <p:nvSpPr>
-          <p:cNvPr id="17" name="TextBox 16">
-            <a:extLst>
-              <a:ext uri="{FF2B5EF4-FFF2-40B4-BE49-F238E27FC236}">
-                <a16:creationId xmlns:a16="http://schemas.microsoft.com/office/drawing/2014/main" id="{78B7D5A4-05CF-49E7-8403-217D354540BE}"/>
-              </a:ext>
-            </a:extLst>
-          </p:cNvPr>
-          <p:cNvSpPr txBox="1"/>
-          <p:nvPr/>
-        </p:nvSpPr>
-        <p:spPr>
-          <a:xfrm>
-            <a:off x="6384031" y="3340516"/>
-            <a:ext cx="5467562" cy="646331"/>
-          </a:xfrm>
-          <a:prstGeom prst="rect">
-            <a:avLst/>
-          </a:prstGeom>
-          <a:noFill/>
-        </p:spPr>
-        <p:txBody>
-          <a:bodyPr wrap="square">
-            <a:spAutoFit/>
-          </a:bodyPr>
-          <a:lstStyle/>
-          <a:p>
-            <a:r>
-              <a:rPr lang="en-US" dirty="0"/>
-              <a:t>2. Is best when you have data that is more static and not subject to much change.</a:t>
-            </a:r>
-          </a:p>
-        </p:txBody>
-      </p:sp>
-      <p:sp>
-        <p:nvSpPr>
           <p:cNvPr id="18" name="TextBox 17">
             <a:extLst>
               <a:ext uri="{FF2B5EF4-FFF2-40B4-BE49-F238E27FC236}">
@@ -6515,44 +6402,16 @@
           <a:lstStyle/>
           <a:p>
             <a:r>
-              <a:rPr lang="en-US" dirty="0"/>
-              <a:t>3. As the name suggests, this data repository type is made so that you can have greater ability to analyze your data easily.</a:t>
+              <a:rPr lang="en-US" b="0" i="0" dirty="0">
+                <a:solidFill>
+                  <a:srgbClr val="000000"/>
+                </a:solidFill>
+                <a:effectLst/>
+                <a:latin typeface="Font Principal"/>
+              </a:rPr>
+              <a:t>“Data granularity refers to data’s level of detail. The more granular the data, the more detailed it is and the more precise analysis can be.”(1)</a:t>
             </a:r>
-          </a:p>
-        </p:txBody>
-      </p:sp>
-      <p:sp>
-        <p:nvSpPr>
-          <p:cNvPr id="19" name="TextBox 18">
-            <a:extLst>
-              <a:ext uri="{FF2B5EF4-FFF2-40B4-BE49-F238E27FC236}">
-                <a16:creationId xmlns:a16="http://schemas.microsoft.com/office/drawing/2014/main" id="{8E838426-3C0C-42B0-A35E-88F3FAED428F}"/>
-              </a:ext>
-            </a:extLst>
-          </p:cNvPr>
-          <p:cNvSpPr txBox="1"/>
-          <p:nvPr/>
-        </p:nvSpPr>
-        <p:spPr>
-          <a:xfrm>
-            <a:off x="403399" y="4452138"/>
-            <a:ext cx="5467562" cy="923330"/>
-          </a:xfrm>
-          <a:prstGeom prst="rect">
-            <a:avLst/>
-          </a:prstGeom>
-          <a:noFill/>
-        </p:spPr>
-        <p:txBody>
-          <a:bodyPr wrap="square">
-            <a:spAutoFit/>
-          </a:bodyPr>
-          <a:lstStyle/>
-          <a:p>
-            <a:r>
-              <a:rPr lang="en-US" dirty="0"/>
-              <a:t>3. As the name suggests, this data repository type is more effective for adding and updating data transactions.</a:t>
-            </a:r>
+            <a:endParaRPr lang="en-US" dirty="0"/>
           </a:p>
         </p:txBody>
       </p:sp>
